--- a/presentation/A02_佐藤凌雅_秋田研究室_R1卒研本発表.pptx
+++ b/presentation/A02_佐藤凌雅_秋田研究室_R1卒研本発表.pptx
@@ -202,7 +202,7 @@
           <a:p>
             <a:fld id="{A07BD75B-32F9-42DF-A17D-2C1AD28961E1}" type="datetimeFigureOut">
               <a:rPr kumimoji="1" lang="ja-JP" altLang="en-US" smtClean="0"/>
-              <a:t>2020/2/24</a:t>
+              <a:t>2020/2/26</a:t>
             </a:fld>
             <a:endParaRPr kumimoji="1" lang="ja-JP" altLang="en-US"/>
           </a:p>
@@ -1254,7 +1254,7 @@
           <a:p>
             <a:fld id="{96133995-FAEC-EE44-BA0D-C05B82726B90}" type="datetimeFigureOut">
               <a:rPr kumimoji="1" lang="ja-JP" altLang="en-US" smtClean="0"/>
-              <a:t>2020/2/24</a:t>
+              <a:t>2020/2/26</a:t>
             </a:fld>
             <a:endParaRPr kumimoji="1" lang="ja-JP" altLang="en-US"/>
           </a:p>
@@ -1456,7 +1456,7 @@
           <a:p>
             <a:fld id="{96133995-FAEC-EE44-BA0D-C05B82726B90}" type="datetimeFigureOut">
               <a:rPr kumimoji="1" lang="ja-JP" altLang="en-US" smtClean="0"/>
-              <a:t>2020/2/24</a:t>
+              <a:t>2020/2/26</a:t>
             </a:fld>
             <a:endParaRPr kumimoji="1" lang="ja-JP" altLang="en-US"/>
           </a:p>
@@ -1668,7 +1668,7 @@
           <a:p>
             <a:fld id="{96133995-FAEC-EE44-BA0D-C05B82726B90}" type="datetimeFigureOut">
               <a:rPr kumimoji="1" lang="ja-JP" altLang="en-US" smtClean="0"/>
-              <a:t>2020/2/24</a:t>
+              <a:t>2020/2/26</a:t>
             </a:fld>
             <a:endParaRPr kumimoji="1" lang="ja-JP" altLang="en-US"/>
           </a:p>
@@ -1870,7 +1870,7 @@
           <a:p>
             <a:fld id="{96133995-FAEC-EE44-BA0D-C05B82726B90}" type="datetimeFigureOut">
               <a:rPr kumimoji="1" lang="ja-JP" altLang="en-US" smtClean="0"/>
-              <a:t>2020/2/24</a:t>
+              <a:t>2020/2/26</a:t>
             </a:fld>
             <a:endParaRPr kumimoji="1" lang="ja-JP" altLang="en-US"/>
           </a:p>
@@ -2114,7 +2114,7 @@
           <a:p>
             <a:fld id="{96133995-FAEC-EE44-BA0D-C05B82726B90}" type="datetimeFigureOut">
               <a:rPr kumimoji="1" lang="ja-JP" altLang="en-US" smtClean="0"/>
-              <a:t>2020/2/24</a:t>
+              <a:t>2020/2/26</a:t>
             </a:fld>
             <a:endParaRPr kumimoji="1" lang="ja-JP" altLang="en-US"/>
           </a:p>
@@ -2410,7 +2410,7 @@
           <a:p>
             <a:fld id="{96133995-FAEC-EE44-BA0D-C05B82726B90}" type="datetimeFigureOut">
               <a:rPr kumimoji="1" lang="ja-JP" altLang="en-US" smtClean="0"/>
-              <a:t>2020/2/24</a:t>
+              <a:t>2020/2/26</a:t>
             </a:fld>
             <a:endParaRPr kumimoji="1" lang="ja-JP" altLang="en-US"/>
           </a:p>
@@ -2841,7 +2841,7 @@
           <a:p>
             <a:fld id="{96133995-FAEC-EE44-BA0D-C05B82726B90}" type="datetimeFigureOut">
               <a:rPr kumimoji="1" lang="ja-JP" altLang="en-US" smtClean="0"/>
-              <a:t>2020/2/24</a:t>
+              <a:t>2020/2/26</a:t>
             </a:fld>
             <a:endParaRPr kumimoji="1" lang="ja-JP" altLang="en-US"/>
           </a:p>
@@ -2959,7 +2959,7 @@
           <a:p>
             <a:fld id="{96133995-FAEC-EE44-BA0D-C05B82726B90}" type="datetimeFigureOut">
               <a:rPr kumimoji="1" lang="ja-JP" altLang="en-US" smtClean="0"/>
-              <a:t>2020/2/24</a:t>
+              <a:t>2020/2/26</a:t>
             </a:fld>
             <a:endParaRPr kumimoji="1" lang="ja-JP" altLang="en-US"/>
           </a:p>
@@ -3054,7 +3054,7 @@
           <a:p>
             <a:fld id="{96133995-FAEC-EE44-BA0D-C05B82726B90}" type="datetimeFigureOut">
               <a:rPr kumimoji="1" lang="ja-JP" altLang="en-US" smtClean="0"/>
-              <a:t>2020/2/24</a:t>
+              <a:t>2020/2/26</a:t>
             </a:fld>
             <a:endParaRPr kumimoji="1" lang="ja-JP" altLang="en-US"/>
           </a:p>
@@ -3363,7 +3363,7 @@
           <a:p>
             <a:fld id="{96133995-FAEC-EE44-BA0D-C05B82726B90}" type="datetimeFigureOut">
               <a:rPr kumimoji="1" lang="ja-JP" altLang="en-US" smtClean="0"/>
-              <a:t>2020/2/24</a:t>
+              <a:t>2020/2/26</a:t>
             </a:fld>
             <a:endParaRPr kumimoji="1" lang="ja-JP" altLang="en-US"/>
           </a:p>
@@ -3620,7 +3620,7 @@
           <a:p>
             <a:fld id="{96133995-FAEC-EE44-BA0D-C05B82726B90}" type="datetimeFigureOut">
               <a:rPr kumimoji="1" lang="ja-JP" altLang="en-US" smtClean="0"/>
-              <a:t>2020/2/24</a:t>
+              <a:t>2020/2/26</a:t>
             </a:fld>
             <a:endParaRPr kumimoji="1" lang="ja-JP" altLang="en-US"/>
           </a:p>
@@ -3865,7 +3865,7 @@
           <a:p>
             <a:fld id="{96133995-FAEC-EE44-BA0D-C05B82726B90}" type="datetimeFigureOut">
               <a:rPr kumimoji="1" lang="ja-JP" altLang="en-US" smtClean="0"/>
-              <a:t>2020/2/24</a:t>
+              <a:t>2020/2/26</a:t>
             </a:fld>
             <a:endParaRPr kumimoji="1" lang="ja-JP" altLang="en-US"/>
           </a:p>
@@ -4791,14 +4791,7 @@
               <a:rPr lang="en-US" altLang="ja-JP" sz="4050" b="1" dirty="0"/>
               <a:t>Introduction</a:t>
             </a:r>
-            <a:endParaRPr lang="ja-JP" altLang="en-US" sz="4050" b="1" dirty="0">
-              <a:solidFill>
-                <a:schemeClr val="tx1">
-                  <a:lumMod val="95000"/>
-                  <a:lumOff val="5000"/>
-                </a:schemeClr>
-              </a:solidFill>
-            </a:endParaRPr>
+            <a:endParaRPr lang="ja-JP" altLang="en-US" sz="4050" b="1" dirty="0"/>
           </a:p>
         </p:txBody>
       </p:sp>
@@ -4832,14 +4825,7 @@
           <a:p>
             <a:pPr algn="ctr"/>
             <a:r>
-              <a:rPr lang="en-US" altLang="ja-JP" sz="2000" b="1" dirty="0">
-                <a:solidFill>
-                  <a:schemeClr val="tx1">
-                    <a:lumMod val="85000"/>
-                    <a:lumOff val="15000"/>
-                  </a:schemeClr>
-                </a:solidFill>
-              </a:rPr>
+              <a:rPr lang="en-US" altLang="ja-JP" sz="2000" b="1" dirty="0"/>
               <a:t>2</a:t>
             </a:r>
           </a:p>
@@ -4882,12 +4868,6 @@
               <a:t>路面の段差検知システムの実現を目的とする</a:t>
             </a:r>
             <a:endParaRPr lang="ja-JP" altLang="en-US" sz="2800" b="1" dirty="0">
-              <a:solidFill>
-                <a:schemeClr val="tx1">
-                  <a:lumMod val="85000"/>
-                  <a:lumOff val="15000"/>
-                </a:schemeClr>
-              </a:solidFill>
               <a:latin typeface="Meiryo UI" panose="020B0604030504040204" pitchFamily="34" charset="-128"/>
               <a:ea typeface="Meiryo UI" panose="020B0604030504040204" pitchFamily="34" charset="-128"/>
             </a:endParaRPr>
@@ -4939,12 +4919,6 @@
               <a:t>を用いる</a:t>
             </a:r>
             <a:endParaRPr lang="ja-JP" altLang="en-US" sz="2800" b="1" dirty="0">
-              <a:solidFill>
-                <a:schemeClr val="tx1">
-                  <a:lumMod val="85000"/>
-                  <a:lumOff val="15000"/>
-                </a:schemeClr>
-              </a:solidFill>
               <a:latin typeface="Meiryo UI" panose="020B0604030504040204" pitchFamily="34" charset="-128"/>
               <a:ea typeface="Meiryo UI" panose="020B0604030504040204" pitchFamily="34" charset="-128"/>
             </a:endParaRPr>
@@ -4985,35 +4959,17 @@
             </a:pPr>
             <a:r>
               <a:rPr lang="en-US" altLang="ja-JP" sz="2800" b="1" dirty="0">
-                <a:solidFill>
-                  <a:schemeClr val="tx1">
-                    <a:lumMod val="85000"/>
-                    <a:lumOff val="15000"/>
-                  </a:schemeClr>
-                </a:solidFill>
                 <a:latin typeface="+mn-ea"/>
               </a:rPr>
               <a:t>MATLAB/Simulink</a:t>
             </a:r>
             <a:r>
               <a:rPr lang="ja-JP" altLang="en-US" sz="2800" b="1">
-                <a:solidFill>
-                  <a:schemeClr val="tx1">
-                    <a:lumMod val="85000"/>
-                    <a:lumOff val="15000"/>
-                  </a:schemeClr>
-                </a:solidFill>
                 <a:latin typeface="+mn-ea"/>
               </a:rPr>
               <a:t>を用いて開発の効率向上を図る</a:t>
             </a:r>
             <a:endParaRPr lang="ja-JP" altLang="en-US" sz="2800" b="1" dirty="0">
-              <a:solidFill>
-                <a:schemeClr val="tx1">
-                  <a:lumMod val="85000"/>
-                  <a:lumOff val="15000"/>
-                </a:schemeClr>
-              </a:solidFill>
               <a:latin typeface="+mn-ea"/>
             </a:endParaRPr>
           </a:p>
@@ -5395,7 +5351,7 @@
         </p:blipFill>
         <p:spPr>
           <a:xfrm>
-            <a:off x="0" y="1892522"/>
+            <a:off x="0" y="2372663"/>
             <a:ext cx="9144000" cy="3579091"/>
           </a:xfrm>
           <a:prstGeom prst="rect">
@@ -5574,10 +5530,10 @@
       </p:sp>
       <p:pic>
         <p:nvPicPr>
-          <p:cNvPr id="7" name="図 6">
+          <p:cNvPr id="3" name="図 2">
             <a:extLst>
               <a:ext uri="{FF2B5EF4-FFF2-40B4-BE49-F238E27FC236}">
-                <a16:creationId xmlns:a16="http://schemas.microsoft.com/office/drawing/2014/main" id="{F8DFC7DD-2256-6B48-89BF-DBC16F9790C4}"/>
+                <a16:creationId xmlns:a16="http://schemas.microsoft.com/office/drawing/2014/main" id="{30C13644-3142-8944-B144-916391923C82}"/>
               </a:ext>
             </a:extLst>
           </p:cNvPr>
@@ -5594,8 +5550,8 @@
         </p:blipFill>
         <p:spPr>
           <a:xfrm>
-            <a:off x="660090" y="4128107"/>
-            <a:ext cx="5207000" cy="1790700"/>
+            <a:off x="1930400" y="2533650"/>
+            <a:ext cx="5283200" cy="1790700"/>
           </a:xfrm>
           <a:prstGeom prst="rect">
             <a:avLst/>
@@ -5604,10 +5560,10 @@
       </p:pic>
       <p:pic>
         <p:nvPicPr>
-          <p:cNvPr id="14" name="図 13">
+          <p:cNvPr id="9" name="図 8">
             <a:extLst>
               <a:ext uri="{FF2B5EF4-FFF2-40B4-BE49-F238E27FC236}">
-                <a16:creationId xmlns:a16="http://schemas.microsoft.com/office/drawing/2014/main" id="{DB4804D7-DDAD-F643-8E30-C9ABD6FCA734}"/>
+                <a16:creationId xmlns:a16="http://schemas.microsoft.com/office/drawing/2014/main" id="{C558D904-3095-824E-AAFD-10B8F77E9847}"/>
               </a:ext>
             </a:extLst>
           </p:cNvPr>
@@ -5624,8 +5580,8 @@
         </p:blipFill>
         <p:spPr>
           <a:xfrm>
-            <a:off x="671241" y="1834543"/>
-            <a:ext cx="5207000" cy="1790700"/>
+            <a:off x="1930400" y="4531783"/>
+            <a:ext cx="5283200" cy="1790700"/>
           </a:xfrm>
           <a:prstGeom prst="rect">
             <a:avLst/>
